--- a/openchain-intro-presentation/Great Open Source Compliance For Everyone - Version 4.pptx
+++ b/openchain-intro-presentation/Great Open Source Compliance For Everyone - Version 4.pptx
@@ -28695,7 +28695,7 @@
           </a:bodyPr>
           <a:lstStyle/>
           <a:p>
-            <a:pPr marL="457200" marR="0" lvl="0" indent="-228600" algn="l" rtl="0">
+            <a:pPr marL="742950" marR="0" lvl="0" indent="-514350" algn="l" rtl="0">
               <a:lnSpc>
                 <a:spcPct val="90000"/>
               </a:lnSpc>
@@ -28709,11 +28709,11 @@
                 <a:srgbClr val="7F7F7F"/>
               </a:buClr>
               <a:buSzPts val="2800"/>
-              <a:buFont typeface="Arial"/>
+              <a:buFont typeface="+mj-lt"/>
               <a:buAutoNum type="arabicPeriod"/>
             </a:pPr>
             <a:r>
-              <a:rPr lang="en-CA" sz="2800" b="0" i="0" u="none" strike="noStrike" cap="none">
+              <a:rPr lang="en-CA" sz="2800" b="0" i="0" u="none" strike="noStrike" cap="none" dirty="0">
                 <a:solidFill>
                   <a:srgbClr val="7F7F7F"/>
                 </a:solidFill>
@@ -28722,9 +28722,33 @@
                 <a:cs typeface="Calibri"/>
                 <a:sym typeface="Calibri"/>
               </a:rPr>
-              <a:t>Specification - Chaired by Mark Gisi (Wind River)</a:t>
+              <a:t>Specification - Chaired by Mark </a:t>
             </a:r>
-            <a:endParaRPr sz="2800" b="0" i="0" u="none" strike="noStrike" cap="none">
+            <a:r>
+              <a:rPr lang="en-CA" sz="2800" b="0" i="0" u="none" strike="noStrike" cap="none" dirty="0" err="1">
+                <a:solidFill>
+                  <a:srgbClr val="7F7F7F"/>
+                </a:solidFill>
+                <a:latin typeface="Calibri"/>
+                <a:ea typeface="Calibri"/>
+                <a:cs typeface="Calibri"/>
+                <a:sym typeface="Calibri"/>
+              </a:rPr>
+              <a:t>Gisi</a:t>
+            </a:r>
+            <a:r>
+              <a:rPr lang="en-CA" sz="2800" b="0" i="0" u="none" strike="noStrike" cap="none" dirty="0">
+                <a:solidFill>
+                  <a:srgbClr val="7F7F7F"/>
+                </a:solidFill>
+                <a:latin typeface="Calibri"/>
+                <a:ea typeface="Calibri"/>
+                <a:cs typeface="Calibri"/>
+                <a:sym typeface="Calibri"/>
+              </a:rPr>
+              <a:t> (Wind River)</a:t>
+            </a:r>
+            <a:endParaRPr sz="2800" b="0" i="0" u="none" strike="noStrike" cap="none" dirty="0">
               <a:solidFill>
                 <a:srgbClr val="7F7F7F"/>
               </a:solidFill>
@@ -28735,7 +28759,7 @@
             </a:endParaRPr>
           </a:p>
           <a:p>
-            <a:pPr marL="0" marR="0" lvl="0" indent="0" algn="l" rtl="0">
+            <a:pPr marL="514350" marR="0" lvl="0" indent="-514350" algn="l" rtl="0">
               <a:lnSpc>
                 <a:spcPct val="90000"/>
               </a:lnSpc>
@@ -28749,10 +28773,10 @@
                 <a:srgbClr val="7F7F7F"/>
               </a:buClr>
               <a:buSzPts val="700"/>
-              <a:buFont typeface="Arial"/>
-              <a:buNone/>
+              <a:buFont typeface="+mj-lt"/>
+              <a:buAutoNum type="arabicPeriod"/>
             </a:pPr>
-            <a:endParaRPr sz="2800" b="0" i="0" u="none" strike="noStrike" cap="none">
+            <a:endParaRPr sz="2800" b="0" i="0" u="none" strike="noStrike" cap="none" dirty="0">
               <a:solidFill>
                 <a:srgbClr val="7F7F7F"/>
               </a:solidFill>
@@ -28763,7 +28787,7 @@
             </a:endParaRPr>
           </a:p>
           <a:p>
-            <a:pPr marL="457200" marR="0" lvl="0" indent="-228600" algn="l" rtl="0">
+            <a:pPr marL="742950" marR="0" lvl="0" indent="-514350" algn="l" rtl="0">
               <a:lnSpc>
                 <a:spcPct val="90000"/>
               </a:lnSpc>
@@ -28777,11 +28801,11 @@
                 <a:srgbClr val="7F7F7F"/>
               </a:buClr>
               <a:buSzPts val="2800"/>
-              <a:buFont typeface="Arial"/>
+              <a:buFont typeface="+mj-lt"/>
               <a:buAutoNum type="arabicPeriod"/>
             </a:pPr>
             <a:r>
-              <a:rPr lang="en-CA" sz="2800" b="0" i="0" u="none" strike="noStrike" cap="none">
+              <a:rPr lang="en-CA" sz="2800" b="0" i="0" u="none" strike="noStrike" cap="none" dirty="0">
                 <a:solidFill>
                   <a:srgbClr val="7F7F7F"/>
                 </a:solidFill>
@@ -28790,9 +28814,33 @@
                 <a:cs typeface="Calibri"/>
                 <a:sym typeface="Calibri"/>
               </a:rPr>
-              <a:t>Conformance - Chaired by Miriam Ballhausen (SCA)</a:t>
+              <a:t>Conformance - Chaired by Miriam </a:t>
             </a:r>
-            <a:endParaRPr sz="2800" b="0" i="0" u="none" strike="noStrike" cap="none">
+            <a:r>
+              <a:rPr lang="en-CA" sz="2800" b="0" i="0" u="none" strike="noStrike" cap="none" dirty="0" err="1">
+                <a:solidFill>
+                  <a:srgbClr val="7F7F7F"/>
+                </a:solidFill>
+                <a:latin typeface="Calibri"/>
+                <a:ea typeface="Calibri"/>
+                <a:cs typeface="Calibri"/>
+                <a:sym typeface="Calibri"/>
+              </a:rPr>
+              <a:t>Ballhausen</a:t>
+            </a:r>
+            <a:r>
+              <a:rPr lang="en-CA" sz="2800" b="0" i="0" u="none" strike="noStrike" cap="none" dirty="0">
+                <a:solidFill>
+                  <a:srgbClr val="7F7F7F"/>
+                </a:solidFill>
+                <a:latin typeface="Calibri"/>
+                <a:ea typeface="Calibri"/>
+                <a:cs typeface="Calibri"/>
+                <a:sym typeface="Calibri"/>
+              </a:rPr>
+              <a:t> (SCA)</a:t>
+            </a:r>
+            <a:endParaRPr sz="2800" b="0" i="0" u="none" strike="noStrike" cap="none" dirty="0">
               <a:solidFill>
                 <a:srgbClr val="7F7F7F"/>
               </a:solidFill>
@@ -28803,7 +28851,7 @@
             </a:endParaRPr>
           </a:p>
           <a:p>
-            <a:pPr marL="0" marR="0" lvl="0" indent="0" algn="l" rtl="0">
+            <a:pPr marL="514350" marR="0" lvl="0" indent="-514350" algn="l" rtl="0">
               <a:lnSpc>
                 <a:spcPct val="90000"/>
               </a:lnSpc>
@@ -28817,10 +28865,10 @@
                 <a:srgbClr val="7F7F7F"/>
               </a:buClr>
               <a:buSzPts val="700"/>
-              <a:buFont typeface="Arial"/>
-              <a:buNone/>
+              <a:buFont typeface="+mj-lt"/>
+              <a:buAutoNum type="arabicPeriod"/>
             </a:pPr>
-            <a:endParaRPr sz="2800" b="0" i="0" u="none" strike="noStrike" cap="none">
+            <a:endParaRPr sz="2800" b="0" i="0" u="none" strike="noStrike" cap="none" dirty="0">
               <a:solidFill>
                 <a:srgbClr val="7F7F7F"/>
               </a:solidFill>
@@ -28831,7 +28879,7 @@
             </a:endParaRPr>
           </a:p>
           <a:p>
-            <a:pPr marL="457200" marR="0" lvl="0" indent="-228600" algn="l" rtl="0">
+            <a:pPr marL="742950" marR="0" lvl="0" indent="-514350" algn="l" rtl="0">
               <a:lnSpc>
                 <a:spcPct val="90000"/>
               </a:lnSpc>
@@ -28845,11 +28893,11 @@
                 <a:srgbClr val="7F7F7F"/>
               </a:buClr>
               <a:buSzPts val="2800"/>
-              <a:buFont typeface="Arial"/>
+              <a:buFont typeface="+mj-lt"/>
               <a:buAutoNum type="arabicPeriod"/>
             </a:pPr>
             <a:r>
-              <a:rPr lang="en-CA" sz="2800" b="0" i="0" u="none" strike="noStrike" cap="none">
+              <a:rPr lang="en-CA" sz="2800" b="0" i="0" u="none" strike="noStrike" cap="none" dirty="0">
                 <a:solidFill>
                   <a:srgbClr val="7F7F7F"/>
                 </a:solidFill>
@@ -28858,9 +28906,57 @@
                 <a:cs typeface="Calibri"/>
                 <a:sym typeface="Calibri"/>
               </a:rPr>
-              <a:t>Curriculum - Chaired by Alexios Zavros (Intel)</a:t>
+              <a:t>Curriculum - Chaired by </a:t>
             </a:r>
-            <a:endParaRPr sz="2800" b="0" i="0" u="none" strike="noStrike" cap="none">
+            <a:r>
+              <a:rPr lang="en-CA" sz="2800" b="0" i="0" u="none" strike="noStrike" cap="none" dirty="0" err="1">
+                <a:solidFill>
+                  <a:srgbClr val="7F7F7F"/>
+                </a:solidFill>
+                <a:latin typeface="Calibri"/>
+                <a:ea typeface="Calibri"/>
+                <a:cs typeface="Calibri"/>
+                <a:sym typeface="Calibri"/>
+              </a:rPr>
+              <a:t>Alexios</a:t>
+            </a:r>
+            <a:r>
+              <a:rPr lang="en-CA" sz="2800" b="0" i="0" u="none" strike="noStrike" cap="none" dirty="0">
+                <a:solidFill>
+                  <a:srgbClr val="7F7F7F"/>
+                </a:solidFill>
+                <a:latin typeface="Calibri"/>
+                <a:ea typeface="Calibri"/>
+                <a:cs typeface="Calibri"/>
+                <a:sym typeface="Calibri"/>
+              </a:rPr>
+              <a:t> </a:t>
+            </a:r>
+            <a:r>
+              <a:rPr lang="en-CA" sz="2800" b="0" i="0" u="none" strike="noStrike" cap="none" dirty="0" err="1">
+                <a:solidFill>
+                  <a:srgbClr val="7F7F7F"/>
+                </a:solidFill>
+                <a:latin typeface="Calibri"/>
+                <a:ea typeface="Calibri"/>
+                <a:cs typeface="Calibri"/>
+                <a:sym typeface="Calibri"/>
+              </a:rPr>
+              <a:t>Zavros</a:t>
+            </a:r>
+            <a:r>
+              <a:rPr lang="en-CA" sz="2800" b="0" i="0" u="none" strike="noStrike" cap="none" dirty="0">
+                <a:solidFill>
+                  <a:srgbClr val="7F7F7F"/>
+                </a:solidFill>
+                <a:latin typeface="Calibri"/>
+                <a:ea typeface="Calibri"/>
+                <a:cs typeface="Calibri"/>
+                <a:sym typeface="Calibri"/>
+              </a:rPr>
+              <a:t> (Intel)</a:t>
+            </a:r>
+            <a:endParaRPr sz="2800" b="0" i="0" u="none" strike="noStrike" cap="none" dirty="0">
               <a:solidFill>
                 <a:srgbClr val="7F7F7F"/>
               </a:solidFill>
@@ -28871,7 +28967,7 @@
             </a:endParaRPr>
           </a:p>
           <a:p>
-            <a:pPr marL="0" marR="0" lvl="0" indent="0" algn="l" rtl="0">
+            <a:pPr marL="514350" marR="0" lvl="0" indent="-514350" algn="l" rtl="0">
               <a:lnSpc>
                 <a:spcPct val="90000"/>
               </a:lnSpc>
@@ -28885,10 +28981,10 @@
                 <a:srgbClr val="7F7F7F"/>
               </a:buClr>
               <a:buSzPts val="2800"/>
-              <a:buFont typeface="Arial"/>
-              <a:buNone/>
+              <a:buFont typeface="+mj-lt"/>
+              <a:buAutoNum type="arabicPeriod"/>
             </a:pPr>
-            <a:endParaRPr sz="2800" b="0" i="0" u="none" strike="noStrike" cap="none">
+            <a:endParaRPr sz="2800" b="0" i="0" u="none" strike="noStrike" cap="none" dirty="0">
               <a:solidFill>
                 <a:srgbClr val="7F7F7F"/>
               </a:solidFill>
@@ -28899,7 +28995,7 @@
             </a:endParaRPr>
           </a:p>
           <a:p>
-            <a:pPr marL="457200" marR="0" lvl="0" indent="-228600" algn="l" rtl="0">
+            <a:pPr marL="742950" marR="0" lvl="0" indent="-514350" algn="l" rtl="0">
               <a:lnSpc>
                 <a:spcPct val="90000"/>
               </a:lnSpc>
@@ -28913,11 +29009,11 @@
                 <a:srgbClr val="7F7F7F"/>
               </a:buClr>
               <a:buSzPts val="2800"/>
-              <a:buFont typeface="Arial"/>
+              <a:buFont typeface="+mj-lt"/>
               <a:buAutoNum type="arabicPeriod"/>
             </a:pPr>
             <a:r>
-              <a:rPr lang="en-CA" sz="2800" b="0" i="0" u="none" strike="noStrike" cap="none">
+              <a:rPr lang="en-CA" sz="2800" b="0" i="0" u="none" strike="noStrike" cap="none" dirty="0">
                 <a:solidFill>
                   <a:srgbClr val="7F7F7F"/>
                 </a:solidFill>
@@ -28926,9 +29022,33 @@
                 <a:cs typeface="Calibri"/>
                 <a:sym typeface="Calibri"/>
               </a:rPr>
-              <a:t>Onboarding - Chaired by Nathan Kumagai (Qualcomm)</a:t>
+              <a:t>Onboarding - Chaired by Nathan </a:t>
             </a:r>
-            <a:endParaRPr sz="2800" b="0" i="0" u="none" strike="noStrike" cap="none">
+            <a:r>
+              <a:rPr lang="en-CA" sz="2800" b="0" i="0" u="none" strike="noStrike" cap="none" dirty="0" err="1">
+                <a:solidFill>
+                  <a:srgbClr val="7F7F7F"/>
+                </a:solidFill>
+                <a:latin typeface="Calibri"/>
+                <a:ea typeface="Calibri"/>
+                <a:cs typeface="Calibri"/>
+                <a:sym typeface="Calibri"/>
+              </a:rPr>
+              <a:t>Kumagai</a:t>
+            </a:r>
+            <a:r>
+              <a:rPr lang="en-CA" sz="2800" b="0" i="0" u="none" strike="noStrike" cap="none" dirty="0">
+                <a:solidFill>
+                  <a:srgbClr val="7F7F7F"/>
+                </a:solidFill>
+                <a:latin typeface="Calibri"/>
+                <a:ea typeface="Calibri"/>
+                <a:cs typeface="Calibri"/>
+                <a:sym typeface="Calibri"/>
+              </a:rPr>
+              <a:t> (Qualcomm)</a:t>
+            </a:r>
+            <a:endParaRPr sz="2800" b="0" i="0" u="none" strike="noStrike" cap="none" dirty="0">
               <a:solidFill>
                 <a:srgbClr val="7F7F7F"/>
               </a:solidFill>
